--- a/BancoNacion/documentos/Reclamos_03_22.pptx
+++ b/BancoNacion/documentos/Reclamos_03_22.pptx
@@ -119,129 +119,122 @@
 <file path=ppt/changesInfos/changesInfo1.xml><?xml version="1.0" encoding="utf-8"?>
 <pc:chgInfo xmlns:a="http://schemas.openxmlformats.org/drawingml/2006/main" xmlns:r="http://schemas.openxmlformats.org/officeDocument/2006/relationships" xmlns:ac="http://schemas.microsoft.com/office/drawing/2013/main/command" xmlns:pc="http://schemas.microsoft.com/office/powerpoint/2013/main/command">
   <pc:docChgLst>
-    <pc:chgData name="John K. Barrera" userId="ff20ac3aac775278" providerId="LiveId" clId="{2E6F024B-12BE-408A-AF54-412DB9D48DE5}"/>
+    <pc:chgData name="John K. Barrera" userId="ff20ac3aac775278" providerId="LiveId" clId="{BAF5260B-C3E4-4926-B14F-8E80FC8E9147}"/>
     <pc:docChg chg="delSld">
-      <pc:chgData name="John K. Barrera" userId="ff20ac3aac775278" providerId="LiveId" clId="{2E6F024B-12BE-408A-AF54-412DB9D48DE5}" dt="2022-03-23T04:22:22.960" v="1" actId="47"/>
+      <pc:chgData name="John K. Barrera" userId="ff20ac3aac775278" providerId="LiveId" clId="{BAF5260B-C3E4-4926-B14F-8E80FC8E9147}" dt="2022-03-23T13:32:48.632" v="1" actId="47"/>
       <pc:docMkLst>
         <pc:docMk/>
       </pc:docMkLst>
       <pc:sldChg chg="del">
-        <pc:chgData name="John K. Barrera" userId="ff20ac3aac775278" providerId="LiveId" clId="{2E6F024B-12BE-408A-AF54-412DB9D48DE5}" dt="2022-03-23T04:22:22.960" v="1" actId="47"/>
+        <pc:chgData name="John K. Barrera" userId="ff20ac3aac775278" providerId="LiveId" clId="{BAF5260B-C3E4-4926-B14F-8E80FC8E9147}" dt="2022-03-23T13:32:48.632" v="1" actId="47"/>
         <pc:sldMkLst>
           <pc:docMk/>
           <pc:sldMk cId="4105470041" sldId="371"/>
         </pc:sldMkLst>
       </pc:sldChg>
       <pc:sldChg chg="del">
-        <pc:chgData name="John K. Barrera" userId="ff20ac3aac775278" providerId="LiveId" clId="{2E6F024B-12BE-408A-AF54-412DB9D48DE5}" dt="2022-03-23T04:22:22.960" v="1" actId="47"/>
+        <pc:chgData name="John K. Barrera" userId="ff20ac3aac775278" providerId="LiveId" clId="{BAF5260B-C3E4-4926-B14F-8E80FC8E9147}" dt="2022-03-23T13:32:48.632" v="1" actId="47"/>
         <pc:sldMkLst>
           <pc:docMk/>
           <pc:sldMk cId="727295871" sldId="373"/>
         </pc:sldMkLst>
       </pc:sldChg>
       <pc:sldChg chg="del">
-        <pc:chgData name="John K. Barrera" userId="ff20ac3aac775278" providerId="LiveId" clId="{2E6F024B-12BE-408A-AF54-412DB9D48DE5}" dt="2022-03-23T04:22:22.960" v="1" actId="47"/>
+        <pc:chgData name="John K. Barrera" userId="ff20ac3aac775278" providerId="LiveId" clId="{BAF5260B-C3E4-4926-B14F-8E80FC8E9147}" dt="2022-03-23T13:32:48.632" v="1" actId="47"/>
         <pc:sldMkLst>
           <pc:docMk/>
           <pc:sldMk cId="1743830554" sldId="374"/>
         </pc:sldMkLst>
       </pc:sldChg>
       <pc:sldChg chg="del">
-        <pc:chgData name="John K. Barrera" userId="ff20ac3aac775278" providerId="LiveId" clId="{2E6F024B-12BE-408A-AF54-412DB9D48DE5}" dt="2022-03-23T04:22:22.960" v="1" actId="47"/>
+        <pc:chgData name="John K. Barrera" userId="ff20ac3aac775278" providerId="LiveId" clId="{BAF5260B-C3E4-4926-B14F-8E80FC8E9147}" dt="2022-03-23T13:32:48.632" v="1" actId="47"/>
         <pc:sldMkLst>
           <pc:docMk/>
           <pc:sldMk cId="3203440581" sldId="375"/>
         </pc:sldMkLst>
       </pc:sldChg>
       <pc:sldChg chg="del">
-        <pc:chgData name="John K. Barrera" userId="ff20ac3aac775278" providerId="LiveId" clId="{2E6F024B-12BE-408A-AF54-412DB9D48DE5}" dt="2022-03-23T04:22:11.224" v="0" actId="47"/>
+        <pc:chgData name="John K. Barrera" userId="ff20ac3aac775278" providerId="LiveId" clId="{BAF5260B-C3E4-4926-B14F-8E80FC8E9147}" dt="2022-03-23T13:31:59.962" v="0" actId="47"/>
         <pc:sldMkLst>
           <pc:docMk/>
           <pc:sldMk cId="470657544" sldId="377"/>
         </pc:sldMkLst>
       </pc:sldChg>
       <pc:sldChg chg="del">
-        <pc:chgData name="John K. Barrera" userId="ff20ac3aac775278" providerId="LiveId" clId="{2E6F024B-12BE-408A-AF54-412DB9D48DE5}" dt="2022-03-23T04:22:22.960" v="1" actId="47"/>
+        <pc:chgData name="John K. Barrera" userId="ff20ac3aac775278" providerId="LiveId" clId="{BAF5260B-C3E4-4926-B14F-8E80FC8E9147}" dt="2022-03-23T13:32:48.632" v="1" actId="47"/>
         <pc:sldMkLst>
           <pc:docMk/>
           <pc:sldMk cId="3105899673" sldId="378"/>
         </pc:sldMkLst>
       </pc:sldChg>
       <pc:sldChg chg="del">
-        <pc:chgData name="John K. Barrera" userId="ff20ac3aac775278" providerId="LiveId" clId="{2E6F024B-12BE-408A-AF54-412DB9D48DE5}" dt="2022-03-23T04:22:11.224" v="0" actId="47"/>
+        <pc:chgData name="John K. Barrera" userId="ff20ac3aac775278" providerId="LiveId" clId="{BAF5260B-C3E4-4926-B14F-8E80FC8E9147}" dt="2022-03-23T13:31:59.962" v="0" actId="47"/>
         <pc:sldMkLst>
           <pc:docMk/>
           <pc:sldMk cId="1548355188" sldId="381"/>
         </pc:sldMkLst>
       </pc:sldChg>
       <pc:sldChg chg="del">
-        <pc:chgData name="John K. Barrera" userId="ff20ac3aac775278" providerId="LiveId" clId="{2E6F024B-12BE-408A-AF54-412DB9D48DE5}" dt="2022-03-23T04:22:22.960" v="1" actId="47"/>
+        <pc:chgData name="John K. Barrera" userId="ff20ac3aac775278" providerId="LiveId" clId="{BAF5260B-C3E4-4926-B14F-8E80FC8E9147}" dt="2022-03-23T13:32:48.632" v="1" actId="47"/>
         <pc:sldMkLst>
           <pc:docMk/>
           <pc:sldMk cId="2191034399" sldId="382"/>
         </pc:sldMkLst>
       </pc:sldChg>
       <pc:sldChg chg="del">
-        <pc:chgData name="John K. Barrera" userId="ff20ac3aac775278" providerId="LiveId" clId="{2E6F024B-12BE-408A-AF54-412DB9D48DE5}" dt="2022-03-23T04:22:22.960" v="1" actId="47"/>
+        <pc:chgData name="John K. Barrera" userId="ff20ac3aac775278" providerId="LiveId" clId="{BAF5260B-C3E4-4926-B14F-8E80FC8E9147}" dt="2022-03-23T13:32:48.632" v="1" actId="47"/>
         <pc:sldMkLst>
           <pc:docMk/>
           <pc:sldMk cId="3453056613" sldId="383"/>
         </pc:sldMkLst>
       </pc:sldChg>
       <pc:sldChg chg="del">
-        <pc:chgData name="John K. Barrera" userId="ff20ac3aac775278" providerId="LiveId" clId="{2E6F024B-12BE-408A-AF54-412DB9D48DE5}" dt="2022-03-23T04:22:11.224" v="0" actId="47"/>
+        <pc:chgData name="John K. Barrera" userId="ff20ac3aac775278" providerId="LiveId" clId="{BAF5260B-C3E4-4926-B14F-8E80FC8E9147}" dt="2022-03-23T13:31:59.962" v="0" actId="47"/>
         <pc:sldMkLst>
           <pc:docMk/>
           <pc:sldMk cId="3414945872" sldId="384"/>
         </pc:sldMkLst>
       </pc:sldChg>
       <pc:sldChg chg="del">
-        <pc:chgData name="John K. Barrera" userId="ff20ac3aac775278" providerId="LiveId" clId="{2E6F024B-12BE-408A-AF54-412DB9D48DE5}" dt="2022-03-23T04:22:22.960" v="1" actId="47"/>
+        <pc:chgData name="John K. Barrera" userId="ff20ac3aac775278" providerId="LiveId" clId="{BAF5260B-C3E4-4926-B14F-8E80FC8E9147}" dt="2022-03-23T13:32:48.632" v="1" actId="47"/>
         <pc:sldMkLst>
           <pc:docMk/>
           <pc:sldMk cId="3879261182" sldId="385"/>
         </pc:sldMkLst>
       </pc:sldChg>
       <pc:sldChg chg="del">
-        <pc:chgData name="John K. Barrera" userId="ff20ac3aac775278" providerId="LiveId" clId="{2E6F024B-12BE-408A-AF54-412DB9D48DE5}" dt="2022-03-23T04:22:22.960" v="1" actId="47"/>
+        <pc:chgData name="John K. Barrera" userId="ff20ac3aac775278" providerId="LiveId" clId="{BAF5260B-C3E4-4926-B14F-8E80FC8E9147}" dt="2022-03-23T13:32:48.632" v="1" actId="47"/>
         <pc:sldMkLst>
           <pc:docMk/>
           <pc:sldMk cId="589919183" sldId="386"/>
         </pc:sldMkLst>
       </pc:sldChg>
       <pc:sldChg chg="del">
-        <pc:chgData name="John K. Barrera" userId="ff20ac3aac775278" providerId="LiveId" clId="{2E6F024B-12BE-408A-AF54-412DB9D48DE5}" dt="2022-03-23T04:22:22.960" v="1" actId="47"/>
+        <pc:chgData name="John K. Barrera" userId="ff20ac3aac775278" providerId="LiveId" clId="{BAF5260B-C3E4-4926-B14F-8E80FC8E9147}" dt="2022-03-23T13:32:48.632" v="1" actId="47"/>
         <pc:sldMkLst>
           <pc:docMk/>
           <pc:sldMk cId="684866759" sldId="387"/>
         </pc:sldMkLst>
       </pc:sldChg>
       <pc:sldChg chg="del">
-        <pc:chgData name="John K. Barrera" userId="ff20ac3aac775278" providerId="LiveId" clId="{2E6F024B-12BE-408A-AF54-412DB9D48DE5}" dt="2022-03-23T04:22:22.960" v="1" actId="47"/>
+        <pc:chgData name="John K. Barrera" userId="ff20ac3aac775278" providerId="LiveId" clId="{BAF5260B-C3E4-4926-B14F-8E80FC8E9147}" dt="2022-03-23T13:32:48.632" v="1" actId="47"/>
         <pc:sldMkLst>
           <pc:docMk/>
           <pc:sldMk cId="1669639385" sldId="388"/>
         </pc:sldMkLst>
       </pc:sldChg>
       <pc:sldChg chg="del">
-        <pc:chgData name="John K. Barrera" userId="ff20ac3aac775278" providerId="LiveId" clId="{2E6F024B-12BE-408A-AF54-412DB9D48DE5}" dt="2022-03-23T04:22:22.960" v="1" actId="47"/>
+        <pc:chgData name="John K. Barrera" userId="ff20ac3aac775278" providerId="LiveId" clId="{BAF5260B-C3E4-4926-B14F-8E80FC8E9147}" dt="2022-03-23T13:32:48.632" v="1" actId="47"/>
         <pc:sldMkLst>
           <pc:docMk/>
           <pc:sldMk cId="2882088050" sldId="389"/>
         </pc:sldMkLst>
       </pc:sldChg>
       <pc:sldChg chg="del">
-        <pc:chgData name="John K. Barrera" userId="ff20ac3aac775278" providerId="LiveId" clId="{2E6F024B-12BE-408A-AF54-412DB9D48DE5}" dt="2022-03-23T04:22:22.960" v="1" actId="47"/>
+        <pc:chgData name="John K. Barrera" userId="ff20ac3aac775278" providerId="LiveId" clId="{BAF5260B-C3E4-4926-B14F-8E80FC8E9147}" dt="2022-03-23T13:32:48.632" v="1" actId="47"/>
         <pc:sldMkLst>
           <pc:docMk/>
           <pc:sldMk cId="2221495019" sldId="390"/>
-        </pc:sldMkLst>
-      </pc:sldChg>
-      <pc:sldChg chg="del">
-        <pc:chgData name="John K. Barrera" userId="ff20ac3aac775278" providerId="LiveId" clId="{2E6F024B-12BE-408A-AF54-412DB9D48DE5}" dt="2022-03-23T04:22:22.960" v="1" actId="47"/>
-        <pc:sldMkLst>
-          <pc:docMk/>
-          <pc:sldMk cId="1986916538" sldId="391"/>
         </pc:sldMkLst>
       </pc:sldChg>
     </pc:docChg>
@@ -331,7 +324,7 @@
           <a:p>
             <a:fld id="{4AA3995C-CEF4-46C5-822A-4E0ABA58EA45}" type="datetimeFigureOut">
               <a:rPr lang="en-US" smtClean="0"/>
-              <a:t>3/22/2022</a:t>
+              <a:t>3/23/2022</a:t>
             </a:fld>
             <a:endParaRPr lang="en-US"/>
           </a:p>
@@ -785,7 +778,7 @@
           <a:p>
             <a:fld id="{903304DD-1A9B-465F-A981-8B6D85F33039}" type="datetimeFigureOut">
               <a:rPr lang="en-US" smtClean="0"/>
-              <a:t>3/22/2022</a:t>
+              <a:t>3/23/2022</a:t>
             </a:fld>
             <a:endParaRPr lang="en-US"/>
           </a:p>
@@ -1088,7 +1081,7 @@
           <a:p>
             <a:fld id="{903304DD-1A9B-465F-A981-8B6D85F33039}" type="datetimeFigureOut">
               <a:rPr lang="en-US" smtClean="0"/>
-              <a:t>3/22/2022</a:t>
+              <a:t>3/23/2022</a:t>
             </a:fld>
             <a:endParaRPr lang="en-US"/>
           </a:p>
@@ -1258,7 +1251,7 @@
           <a:p>
             <a:fld id="{903304DD-1A9B-465F-A981-8B6D85F33039}" type="datetimeFigureOut">
               <a:rPr lang="en-US" smtClean="0"/>
-              <a:t>3/22/2022</a:t>
+              <a:t>3/23/2022</a:t>
             </a:fld>
             <a:endParaRPr lang="en-US"/>
           </a:p>
@@ -1438,7 +1431,7 @@
           <a:p>
             <a:fld id="{903304DD-1A9B-465F-A981-8B6D85F33039}" type="datetimeFigureOut">
               <a:rPr lang="en-US" smtClean="0"/>
-              <a:t>3/22/2022</a:t>
+              <a:t>3/23/2022</a:t>
             </a:fld>
             <a:endParaRPr lang="en-US"/>
           </a:p>
@@ -1672,7 +1665,7 @@
           <a:p>
             <a:fld id="{903304DD-1A9B-465F-A981-8B6D85F33039}" type="datetimeFigureOut">
               <a:rPr lang="en-US" smtClean="0"/>
-              <a:t>3/22/2022</a:t>
+              <a:t>3/23/2022</a:t>
             </a:fld>
             <a:endParaRPr lang="en-US"/>
           </a:p>
@@ -1870,7 +1863,7 @@
           <a:p>
             <a:fld id="{903304DD-1A9B-465F-A981-8B6D85F33039}" type="datetimeFigureOut">
               <a:rPr lang="en-US" smtClean="0"/>
-              <a:t>3/22/2022</a:t>
+              <a:t>3/23/2022</a:t>
             </a:fld>
             <a:endParaRPr lang="en-US"/>
           </a:p>
@@ -2116,7 +2109,7 @@
           <a:p>
             <a:fld id="{903304DD-1A9B-465F-A981-8B6D85F33039}" type="datetimeFigureOut">
               <a:rPr lang="en-US" smtClean="0"/>
-              <a:t>3/22/2022</a:t>
+              <a:t>3/23/2022</a:t>
             </a:fld>
             <a:endParaRPr lang="en-US"/>
           </a:p>
@@ -2348,7 +2341,7 @@
           <a:p>
             <a:fld id="{903304DD-1A9B-465F-A981-8B6D85F33039}" type="datetimeFigureOut">
               <a:rPr lang="en-US" smtClean="0"/>
-              <a:t>3/22/2022</a:t>
+              <a:t>3/23/2022</a:t>
             </a:fld>
             <a:endParaRPr lang="en-US"/>
           </a:p>
@@ -2715,7 +2708,7 @@
           <a:p>
             <a:fld id="{903304DD-1A9B-465F-A981-8B6D85F33039}" type="datetimeFigureOut">
               <a:rPr lang="en-US" smtClean="0"/>
-              <a:t>3/22/2022</a:t>
+              <a:t>3/23/2022</a:t>
             </a:fld>
             <a:endParaRPr lang="en-US"/>
           </a:p>
@@ -2833,7 +2826,7 @@
           <a:p>
             <a:fld id="{903304DD-1A9B-465F-A981-8B6D85F33039}" type="datetimeFigureOut">
               <a:rPr lang="en-US" smtClean="0"/>
-              <a:t>3/22/2022</a:t>
+              <a:t>3/23/2022</a:t>
             </a:fld>
             <a:endParaRPr lang="en-US"/>
           </a:p>
@@ -2928,7 +2921,7 @@
           <a:p>
             <a:fld id="{903304DD-1A9B-465F-A981-8B6D85F33039}" type="datetimeFigureOut">
               <a:rPr lang="en-US" smtClean="0"/>
-              <a:t>3/22/2022</a:t>
+              <a:t>3/23/2022</a:t>
             </a:fld>
             <a:endParaRPr lang="en-US"/>
           </a:p>
@@ -3205,7 +3198,7 @@
           <a:p>
             <a:fld id="{903304DD-1A9B-465F-A981-8B6D85F33039}" type="datetimeFigureOut">
               <a:rPr lang="en-US" smtClean="0"/>
-              <a:t>3/22/2022</a:t>
+              <a:t>3/23/2022</a:t>
             </a:fld>
             <a:endParaRPr lang="en-US"/>
           </a:p>
@@ -3418,7 +3411,7 @@
           <a:p>
             <a:fld id="{903304DD-1A9B-465F-A981-8B6D85F33039}" type="datetimeFigureOut">
               <a:rPr lang="en-US" smtClean="0"/>
-              <a:t>3/22/2022</a:t>
+              <a:t>3/23/2022</a:t>
             </a:fld>
             <a:endParaRPr lang="en-US"/>
           </a:p>
@@ -5576,7 +5569,14 @@
                 <a:latin typeface="Calibri" panose="020F0502020204030204" pitchFamily="34" charset="0"/>
                 <a:cs typeface="Calibri" panose="020F0502020204030204" pitchFamily="34" charset="0"/>
               </a:rPr>
-              <a:t>Reporte aplicativo Visa</a:t>
+              <a:t>Reporte aplicativo Visa </a:t>
+            </a:r>
+            <a:r>
+              <a:rPr lang="es-PE" altLang="es-PE" sz="1600" dirty="0">
+                <a:latin typeface="Calibri" panose="020F0502020204030204" pitchFamily="34" charset="0"/>
+                <a:cs typeface="Calibri" panose="020F0502020204030204" pitchFamily="34" charset="0"/>
+              </a:rPr>
+              <a:t>(*)</a:t>
             </a:r>
           </a:p>
           <a:p>
@@ -5600,8 +5600,24 @@
                 <a:latin typeface="Calibri" panose="020F0502020204030204" pitchFamily="34" charset="0"/>
                 <a:cs typeface="Calibri" panose="020F0502020204030204" pitchFamily="34" charset="0"/>
               </a:rPr>
-              <a:t>Transacciones Visa online</a:t>
-            </a:r>
+              <a:t>Transacciones Visa online </a:t>
+            </a:r>
+            <a:r>
+              <a:rPr lang="es-PE" altLang="es-PE" sz="1600" dirty="0">
+                <a:latin typeface="Calibri" panose="020F0502020204030204" pitchFamily="34" charset="0"/>
+                <a:cs typeface="Calibri" panose="020F0502020204030204" pitchFamily="34" charset="0"/>
+              </a:rPr>
+              <a:t>(*)</a:t>
+            </a:r>
+            <a:endParaRPr lang="es-PE" altLang="es-PE" sz="1600" dirty="0">
+              <a:solidFill>
+                <a:schemeClr val="accent1">
+                  <a:lumMod val="75000"/>
+                </a:schemeClr>
+              </a:solidFill>
+              <a:latin typeface="Calibri" panose="020F0502020204030204" pitchFamily="34" charset="0"/>
+              <a:cs typeface="Calibri" panose="020F0502020204030204" pitchFamily="34" charset="0"/>
+            </a:endParaRPr>
           </a:p>
           <a:p>
             <a:pPr marL="285750" lvl="0" indent="-285750" algn="just" eaLnBrk="0" fontAlgn="base" hangingPunct="0">
@@ -5624,8 +5640,24 @@
                 <a:latin typeface="Calibri" panose="020F0502020204030204" pitchFamily="34" charset="0"/>
                 <a:cs typeface="Calibri" panose="020F0502020204030204" pitchFamily="34" charset="0"/>
               </a:rPr>
-              <a:t>Estado de las operaciones (aceptada, confirmada o pendiente)</a:t>
-            </a:r>
+              <a:t>Estado de las operaciones (aceptada, confirmada o pendiente) </a:t>
+            </a:r>
+            <a:r>
+              <a:rPr lang="es-PE" altLang="es-PE" sz="1600" dirty="0">
+                <a:latin typeface="Calibri" panose="020F0502020204030204" pitchFamily="34" charset="0"/>
+                <a:cs typeface="Calibri" panose="020F0502020204030204" pitchFamily="34" charset="0"/>
+              </a:rPr>
+              <a:t>(*)</a:t>
+            </a:r>
+            <a:endParaRPr lang="es-PE" altLang="es-PE" sz="1600" dirty="0">
+              <a:solidFill>
+                <a:schemeClr val="accent1">
+                  <a:lumMod val="75000"/>
+                </a:schemeClr>
+              </a:solidFill>
+              <a:latin typeface="Calibri" panose="020F0502020204030204" pitchFamily="34" charset="0"/>
+              <a:cs typeface="Calibri" panose="020F0502020204030204" pitchFamily="34" charset="0"/>
+            </a:endParaRPr>
           </a:p>
           <a:p>
             <a:pPr marL="285750" lvl="0" indent="-285750" algn="just" eaLnBrk="0" fontAlgn="base" hangingPunct="0">
@@ -5648,8 +5680,24 @@
                 <a:latin typeface="Calibri" panose="020F0502020204030204" pitchFamily="34" charset="0"/>
                 <a:cs typeface="Calibri" panose="020F0502020204030204" pitchFamily="34" charset="0"/>
               </a:rPr>
-              <a:t>Sistema AISR: Aplicativo Intranet Sistema de Reclamos</a:t>
-            </a:r>
+              <a:t>Sistema AISR: Aplicativo Intranet Sistema de Reclamos </a:t>
+            </a:r>
+            <a:r>
+              <a:rPr lang="es-PE" altLang="es-PE" sz="1600" dirty="0">
+                <a:latin typeface="Calibri" panose="020F0502020204030204" pitchFamily="34" charset="0"/>
+                <a:cs typeface="Calibri" panose="020F0502020204030204" pitchFamily="34" charset="0"/>
+              </a:rPr>
+              <a:t>(*)</a:t>
+            </a:r>
+            <a:endParaRPr lang="es-PE" altLang="es-PE" sz="1600" dirty="0">
+              <a:solidFill>
+                <a:schemeClr val="accent1">
+                  <a:lumMod val="75000"/>
+                </a:schemeClr>
+              </a:solidFill>
+              <a:latin typeface="Calibri" panose="020F0502020204030204" pitchFamily="34" charset="0"/>
+              <a:cs typeface="Calibri" panose="020F0502020204030204" pitchFamily="34" charset="0"/>
+            </a:endParaRPr>
           </a:p>
           <a:p>
             <a:pPr marL="285750" lvl="0" indent="-285750" algn="just" eaLnBrk="0" fontAlgn="base" hangingPunct="0">
@@ -5696,7 +5744,14 @@
                 <a:latin typeface="Calibri" panose="020F0502020204030204" pitchFamily="34" charset="0"/>
                 <a:cs typeface="Calibri" panose="020F0502020204030204" pitchFamily="34" charset="0"/>
               </a:rPr>
-              <a:t>Estado de las operaciones (aceptada, confirmada o pendiente)</a:t>
+              <a:t>Estado de las operaciones (aceptada, confirmada o pendiente) </a:t>
+            </a:r>
+            <a:r>
+              <a:rPr lang="es-PE" altLang="es-PE" sz="1600" dirty="0">
+                <a:latin typeface="Calibri" panose="020F0502020204030204" pitchFamily="34" charset="0"/>
+                <a:cs typeface="Calibri" panose="020F0502020204030204" pitchFamily="34" charset="0"/>
+              </a:rPr>
+              <a:t>(*)</a:t>
             </a:r>
             <a:endParaRPr lang="es-MX" altLang="es-PE" sz="1600" dirty="0">
               <a:solidFill>
@@ -5731,6 +5786,22 @@
               </a:rPr>
               <a:t>Verificar cuenta de ahorros regularizadas</a:t>
             </a:r>
+            <a:r>
+              <a:rPr lang="es-PE" altLang="es-PE" sz="1600" dirty="0">
+                <a:latin typeface="Calibri" panose="020F0502020204030204" pitchFamily="34" charset="0"/>
+                <a:cs typeface="Calibri" panose="020F0502020204030204" pitchFamily="34" charset="0"/>
+              </a:rPr>
+              <a:t> (*)</a:t>
+            </a:r>
+            <a:endParaRPr lang="es-MX" altLang="es-PE" sz="1600" dirty="0">
+              <a:solidFill>
+                <a:schemeClr val="accent4">
+                  <a:lumMod val="75000"/>
+                </a:schemeClr>
+              </a:solidFill>
+              <a:latin typeface="Calibri" panose="020F0502020204030204" pitchFamily="34" charset="0"/>
+              <a:cs typeface="Calibri" panose="020F0502020204030204" pitchFamily="34" charset="0"/>
+            </a:endParaRPr>
           </a:p>
           <a:p>
             <a:pPr marL="285750" lvl="0" indent="-285750" algn="just" eaLnBrk="0" fontAlgn="base" hangingPunct="0">
@@ -5755,6 +5826,22 @@
               </a:rPr>
               <a:t>Accesos a videos de grabación digital</a:t>
             </a:r>
+            <a:r>
+              <a:rPr lang="es-PE" altLang="es-PE" sz="1600" dirty="0">
+                <a:latin typeface="Calibri" panose="020F0502020204030204" pitchFamily="34" charset="0"/>
+                <a:cs typeface="Calibri" panose="020F0502020204030204" pitchFamily="34" charset="0"/>
+              </a:rPr>
+              <a:t> (*)</a:t>
+            </a:r>
+            <a:endParaRPr lang="es-MX" altLang="es-PE" sz="1600" dirty="0">
+              <a:solidFill>
+                <a:schemeClr val="accent4">
+                  <a:lumMod val="75000"/>
+                </a:schemeClr>
+              </a:solidFill>
+              <a:latin typeface="Calibri" panose="020F0502020204030204" pitchFamily="34" charset="0"/>
+              <a:cs typeface="Calibri" panose="020F0502020204030204" pitchFamily="34" charset="0"/>
+            </a:endParaRPr>
           </a:p>
           <a:p>
             <a:pPr marL="285750" indent="-285750" algn="just" eaLnBrk="0" fontAlgn="base" hangingPunct="0">
@@ -5777,8 +5864,24 @@
                 <a:latin typeface="Calibri" panose="020F0502020204030204" pitchFamily="34" charset="0"/>
                 <a:cs typeface="Calibri" panose="020F0502020204030204" pitchFamily="34" charset="0"/>
               </a:rPr>
-              <a:t>Consulta a RENIEC, </a:t>
-            </a:r>
+              <a:t>Consulta a RENIEC </a:t>
+            </a:r>
+            <a:r>
+              <a:rPr lang="es-PE" altLang="es-PE" sz="1600" dirty="0">
+                <a:latin typeface="Calibri" panose="020F0502020204030204" pitchFamily="34" charset="0"/>
+                <a:cs typeface="Calibri" panose="020F0502020204030204" pitchFamily="34" charset="0"/>
+              </a:rPr>
+              <a:t>(*)</a:t>
+            </a:r>
+            <a:endParaRPr lang="es-MX" altLang="es-PE" sz="1600" dirty="0">
+              <a:solidFill>
+                <a:schemeClr val="accent4">
+                  <a:lumMod val="75000"/>
+                </a:schemeClr>
+              </a:solidFill>
+              <a:latin typeface="Calibri" panose="020F0502020204030204" pitchFamily="34" charset="0"/>
+              <a:cs typeface="Calibri" panose="020F0502020204030204" pitchFamily="34" charset="0"/>
+            </a:endParaRPr>
           </a:p>
           <a:p>
             <a:pPr marL="285750" lvl="0" indent="-285750" algn="just" eaLnBrk="0" fontAlgn="base" hangingPunct="0">
@@ -5827,6 +5930,22 @@
               </a:rPr>
               <a:t>)</a:t>
             </a:r>
+            <a:r>
+              <a:rPr lang="es-PE" altLang="es-PE" sz="1600" dirty="0">
+                <a:latin typeface="Calibri" panose="020F0502020204030204" pitchFamily="34" charset="0"/>
+                <a:cs typeface="Calibri" panose="020F0502020204030204" pitchFamily="34" charset="0"/>
+              </a:rPr>
+              <a:t> (*)</a:t>
+            </a:r>
+            <a:endParaRPr lang="es-MX" altLang="es-PE" sz="1600" dirty="0">
+              <a:solidFill>
+                <a:schemeClr val="accent4">
+                  <a:lumMod val="75000"/>
+                </a:schemeClr>
+              </a:solidFill>
+              <a:latin typeface="Calibri" panose="020F0502020204030204" pitchFamily="34" charset="0"/>
+              <a:cs typeface="Calibri" panose="020F0502020204030204" pitchFamily="34" charset="0"/>
+            </a:endParaRPr>
           </a:p>
           <a:p>
             <a:pPr marL="285750" lvl="0" indent="-285750" algn="just" eaLnBrk="0" fontAlgn="base" hangingPunct="0">
@@ -5851,6 +5970,22 @@
               </a:rPr>
               <a:t>Sistema AISR: Aplicativo Intranet Sistema de Reclamos</a:t>
             </a:r>
+            <a:r>
+              <a:rPr lang="es-PE" altLang="es-PE" sz="1600" dirty="0">
+                <a:latin typeface="Calibri" panose="020F0502020204030204" pitchFamily="34" charset="0"/>
+                <a:cs typeface="Calibri" panose="020F0502020204030204" pitchFamily="34" charset="0"/>
+              </a:rPr>
+              <a:t> (*)</a:t>
+            </a:r>
+            <a:endParaRPr lang="es-MX" altLang="es-PE" sz="1600" dirty="0">
+              <a:solidFill>
+                <a:schemeClr val="accent4">
+                  <a:lumMod val="75000"/>
+                </a:schemeClr>
+              </a:solidFill>
+              <a:latin typeface="Calibri" panose="020F0502020204030204" pitchFamily="34" charset="0"/>
+              <a:cs typeface="Calibri" panose="020F0502020204030204" pitchFamily="34" charset="0"/>
+            </a:endParaRPr>
           </a:p>
           <a:p>
             <a:pPr marL="285750" lvl="0" indent="-285750" algn="just" eaLnBrk="0" fontAlgn="base" hangingPunct="0">
@@ -5890,7 +6025,7 @@
         </p:nvSpPr>
         <p:spPr>
           <a:xfrm>
-            <a:off x="6515471" y="956953"/>
+            <a:off x="6575856" y="919924"/>
             <a:ext cx="5192810" cy="954107"/>
           </a:xfrm>
           <a:prstGeom prst="rect">
@@ -5974,8 +6109,8 @@
         </p:nvSpPr>
         <p:spPr>
           <a:xfrm>
-            <a:off x="5963048" y="6247438"/>
-            <a:ext cx="6043130" cy="492402"/>
+            <a:off x="5775587" y="6303859"/>
+            <a:ext cx="6418053" cy="492402"/>
           </a:xfrm>
           <a:prstGeom prst="rect">
             <a:avLst/>
@@ -6019,7 +6154,39 @@
                 <a:latin typeface="Calibri" panose="020F0502020204030204" pitchFamily="34" charset="0"/>
                 <a:cs typeface="Calibri" panose="020F0502020204030204" pitchFamily="34" charset="0"/>
               </a:rPr>
-              <a:t>(**) La complejidad de la solución se incrementa por el numero de aplicativos que involucra su solución.</a:t>
+              <a:t>(*) Servicios no accesibles para nuestra solución.</a:t>
+            </a:r>
+          </a:p>
+          <a:p>
+            <a:pPr marL="0" marR="0" lvl="0" indent="0" algn="l" defTabSz="914400" rtl="0" eaLnBrk="0" fontAlgn="base" latinLnBrk="0" hangingPunct="0">
+              <a:lnSpc>
+                <a:spcPct val="100000"/>
+              </a:lnSpc>
+              <a:spcBef>
+                <a:spcPct val="0"/>
+              </a:spcBef>
+              <a:spcAft>
+                <a:spcPct val="0"/>
+              </a:spcAft>
+              <a:buClrTx/>
+              <a:buSzTx/>
+              <a:buFontTx/>
+              <a:buNone/>
+              <a:tabLst/>
+            </a:pPr>
+            <a:r>
+              <a:rPr kumimoji="0" lang="es-PE" altLang="es-PE" sz="1300" b="1" i="0" u="none" strike="noStrike" cap="none" normalizeH="0" baseline="0" dirty="0">
+                <a:ln>
+                  <a:noFill/>
+                </a:ln>
+                <a:solidFill>
+                  <a:srgbClr val="000000"/>
+                </a:solidFill>
+                <a:effectLst/>
+                <a:latin typeface="Calibri" panose="020F0502020204030204" pitchFamily="34" charset="0"/>
+                <a:cs typeface="Calibri" panose="020F0502020204030204" pitchFamily="34" charset="0"/>
+              </a:rPr>
+              <a:t>(**) La complejidad se incrementa por el numero de aplicativos que involucra su solución. </a:t>
             </a:r>
             <a:endParaRPr kumimoji="0" lang="es-PE" altLang="es-PE" sz="600" b="0" i="0" u="none" strike="noStrike" cap="none" normalizeH="0" baseline="0" dirty="0">
               <a:ln>
